--- a/Slides/PPT/Lecture4.pptx
+++ b/Slides/PPT/Lecture4.pptx
@@ -254,7 +254,7 @@
           <a:p>
             <a:fld id="{66E70BB8-B9A9-4A49-AE77-6672D2FCC1F1}" type="datetimeFigureOut">
               <a:rPr lang="en-US" smtClean="0"/>
-              <a:t>11/17/2020</a:t>
+              <a:t>11/24/2020</a:t>
             </a:fld>
             <a:endParaRPr lang="en-US"/>
           </a:p>
@@ -419,7 +419,7 @@
           <a:p>
             <a:fld id="{FD9F7465-78BB-4967-A6A7-EC2C7EAFC45D}" type="datetimeFigureOut">
               <a:rPr lang="zh-TW" altLang="en-US" smtClean="0"/>
-              <a:t>2020/11/17</a:t>
+              <a:t>2020/11/24</a:t>
             </a:fld>
             <a:endParaRPr lang="zh-TW" altLang="en-US"/>
           </a:p>
@@ -922,7 +922,7 @@
           <a:p>
             <a:r>
               <a:rPr lang="zh-TW" altLang="en-US" smtClean="0"/>
-              <a:t>國立高雄科技大學電子工程系</a:t>
+              <a:t>國立高雄科技大學建功校區電子工程系</a:t>
             </a:r>
             <a:endParaRPr lang="zh-TW" altLang="en-US"/>
           </a:p>
@@ -1124,7 +1124,7 @@
           <a:p>
             <a:r>
               <a:rPr lang="zh-TW" altLang="en-US" smtClean="0"/>
-              <a:t>國立高雄科技大學電子工程系</a:t>
+              <a:t>國立高雄科技大學建功校區電子工程系</a:t>
             </a:r>
             <a:endParaRPr lang="zh-TW" altLang="en-US"/>
           </a:p>
@@ -1306,7 +1306,7 @@
           <a:p>
             <a:r>
               <a:rPr lang="zh-TW" altLang="en-US" smtClean="0"/>
-              <a:t>國立高雄科技大學電子工程系</a:t>
+              <a:t>國立高雄科技大學建功校區電子工程系</a:t>
             </a:r>
             <a:endParaRPr lang="zh-TW" altLang="en-US"/>
           </a:p>
@@ -1478,7 +1478,7 @@
           <a:p>
             <a:r>
               <a:rPr lang="zh-TW" altLang="en-US" smtClean="0"/>
-              <a:t>國立高雄科技大學電子工程系</a:t>
+              <a:t>國立高雄科技大學建功校區電子工程系</a:t>
             </a:r>
             <a:endParaRPr lang="zh-TW" altLang="en-US"/>
           </a:p>
@@ -1727,7 +1727,7 @@
           <a:p>
             <a:r>
               <a:rPr lang="zh-TW" altLang="en-US" smtClean="0"/>
-              <a:t>國立高雄科技大學電子工程系</a:t>
+              <a:t>國立高雄科技大學建功校區電子工程系</a:t>
             </a:r>
             <a:endParaRPr lang="zh-TW" altLang="en-US"/>
           </a:p>
@@ -1990,7 +1990,7 @@
           <a:p>
             <a:r>
               <a:rPr lang="zh-TW" altLang="en-US" smtClean="0"/>
-              <a:t>國立高雄科技大學電子工程系</a:t>
+              <a:t>國立高雄科技大學建功校區電子工程系</a:t>
             </a:r>
             <a:endParaRPr lang="zh-TW" altLang="en-US"/>
           </a:p>
@@ -2358,7 +2358,7 @@
           <a:p>
             <a:r>
               <a:rPr lang="zh-TW" altLang="en-US" smtClean="0"/>
-              <a:t>國立高雄科技大學電子工程系</a:t>
+              <a:t>國立高雄科技大學建功校區電子工程系</a:t>
             </a:r>
             <a:endParaRPr lang="zh-TW" altLang="en-US"/>
           </a:p>
@@ -2479,7 +2479,7 @@
           <a:p>
             <a:r>
               <a:rPr lang="zh-TW" altLang="en-US" smtClean="0"/>
-              <a:t>國立高雄科技大學電子工程系</a:t>
+              <a:t>國立高雄科技大學建功校區電子工程系</a:t>
             </a:r>
             <a:endParaRPr lang="zh-TW" altLang="en-US"/>
           </a:p>
@@ -2578,7 +2578,7 @@
           <a:p>
             <a:r>
               <a:rPr lang="zh-TW" altLang="en-US" smtClean="0"/>
-              <a:t>國立高雄科技大學電子工程系</a:t>
+              <a:t>國立高雄科技大學建功校區電子工程系</a:t>
             </a:r>
             <a:endParaRPr lang="zh-TW" altLang="en-US"/>
           </a:p>
@@ -2857,7 +2857,7 @@
           <a:p>
             <a:r>
               <a:rPr lang="zh-TW" altLang="en-US" smtClean="0"/>
-              <a:t>國立高雄科技大學電子工程系</a:t>
+              <a:t>國立高雄科技大學建功校區電子工程系</a:t>
             </a:r>
             <a:endParaRPr lang="zh-TW" altLang="en-US"/>
           </a:p>
@@ -3113,7 +3113,7 @@
           <a:p>
             <a:r>
               <a:rPr lang="zh-TW" altLang="en-US" smtClean="0"/>
-              <a:t>國立高雄科技大學電子工程系</a:t>
+              <a:t>國立高雄科技大學建功校區電子工程系</a:t>
             </a:r>
             <a:endParaRPr lang="zh-TW" altLang="en-US"/>
           </a:p>
@@ -3346,7 +3346,7 @@
           <a:p>
             <a:r>
               <a:rPr lang="zh-TW" altLang="en-US" smtClean="0"/>
-              <a:t>國立高雄科技大學電子工程系</a:t>
+              <a:t>國立高雄科技大學建功校區電子工程系</a:t>
             </a:r>
             <a:endParaRPr lang="zh-TW" altLang="en-US"/>
           </a:p>
@@ -3851,7 +3851,7 @@
           <a:p>
             <a:r>
               <a:rPr lang="zh-TW" altLang="en-US" smtClean="0"/>
-              <a:t>國立高雄科技大學電子工程系</a:t>
+              <a:t>國立高雄科技大學建功校區電子工程系</a:t>
             </a:r>
             <a:endParaRPr lang="zh-TW" altLang="en-US"/>
           </a:p>
@@ -4068,7 +4068,7 @@
           <a:p>
             <a:r>
               <a:rPr lang="zh-TW" altLang="en-US" smtClean="0"/>
-              <a:t>國立高雄科技大學電子工程系</a:t>
+              <a:t>國立高雄科技大學建功校區電子工程系</a:t>
             </a:r>
             <a:endParaRPr lang="zh-TW" altLang="en-US"/>
           </a:p>
@@ -4282,7 +4282,7 @@
           <a:p>
             <a:r>
               <a:rPr lang="zh-TW" altLang="en-US" smtClean="0"/>
-              <a:t>國立高雄科技大學電子工程系</a:t>
+              <a:t>國立高雄科技大學建功校區電子工程系</a:t>
             </a:r>
             <a:endParaRPr lang="zh-TW" altLang="en-US"/>
           </a:p>
@@ -4592,7 +4592,7 @@
           <a:p>
             <a:r>
               <a:rPr lang="zh-TW" altLang="en-US" smtClean="0"/>
-              <a:t>國立高雄科技大學電子工程系</a:t>
+              <a:t>國立高雄科技大學建功校區電子工程系</a:t>
             </a:r>
             <a:endParaRPr lang="zh-TW" altLang="en-US"/>
           </a:p>
@@ -4974,7 +4974,7 @@
           <a:p>
             <a:r>
               <a:rPr lang="zh-TW" altLang="en-US" smtClean="0"/>
-              <a:t>國立高雄科技大學電子工程系</a:t>
+              <a:t>國立高雄科技大學建功校區電子工程系</a:t>
             </a:r>
             <a:endParaRPr lang="zh-TW" altLang="en-US"/>
           </a:p>
@@ -5301,7 +5301,7 @@
           <a:p>
             <a:r>
               <a:rPr lang="zh-TW" altLang="en-US" smtClean="0"/>
-              <a:t>國立高雄科技大學電子工程系</a:t>
+              <a:t>國立高雄科技大學建功校區電子工程系</a:t>
             </a:r>
             <a:endParaRPr lang="zh-TW" altLang="en-US"/>
           </a:p>
@@ -6062,7 +6062,7 @@
           <a:p>
             <a:r>
               <a:rPr lang="zh-TW" altLang="en-US" smtClean="0"/>
-              <a:t>國立高雄科技大學電子工程系</a:t>
+              <a:t>國立高雄科技大學建功校區電子工程系</a:t>
             </a:r>
             <a:endParaRPr lang="zh-TW" altLang="en-US"/>
           </a:p>
@@ -6298,7 +6298,7 @@
           <a:p>
             <a:r>
               <a:rPr lang="zh-TW" altLang="en-US" smtClean="0"/>
-              <a:t>國立高雄科技大學電子工程系</a:t>
+              <a:t>國立高雄科技大學建功校區電子工程系</a:t>
             </a:r>
             <a:endParaRPr lang="zh-TW" altLang="en-US"/>
           </a:p>
@@ -6456,7 +6456,7 @@
           <a:p>
             <a:r>
               <a:rPr lang="zh-TW" altLang="en-US" smtClean="0"/>
-              <a:t>國立高雄科技大學電子工程系</a:t>
+              <a:t>國立高雄科技大學建功校區電子工程系</a:t>
             </a:r>
             <a:endParaRPr lang="zh-TW" altLang="en-US"/>
           </a:p>
@@ -6636,7 +6636,7 @@
           <a:p>
             <a:r>
               <a:rPr lang="zh-TW" altLang="en-US" smtClean="0"/>
-              <a:t>國立高雄科技大學電子工程系</a:t>
+              <a:t>國立高雄科技大學建功校區電子工程系</a:t>
             </a:r>
             <a:endParaRPr lang="zh-TW" altLang="en-US"/>
           </a:p>
@@ -6785,7 +6785,7 @@
           <a:p>
             <a:r>
               <a:rPr lang="zh-TW" altLang="en-US" smtClean="0"/>
-              <a:t>國立高雄科技大學電子工程系</a:t>
+              <a:t>國立高雄科技大學建功校區電子工程系</a:t>
             </a:r>
             <a:endParaRPr lang="zh-TW" altLang="en-US"/>
           </a:p>
@@ -6960,7 +6960,6 @@
               <a:rPr lang="en-US" dirty="0"/>
               <a:t>RNN Example</a:t>
             </a:r>
-            <a:endParaRPr lang="en-US" dirty="0"/>
           </a:p>
         </p:txBody>
       </p:sp>
@@ -7004,7 +7003,7 @@
           <a:p>
             <a:r>
               <a:rPr lang="zh-TW" altLang="en-US" smtClean="0"/>
-              <a:t>國立高雄科技大學電子工程系</a:t>
+              <a:t>國立高雄科技大學建功校區電子工程系</a:t>
             </a:r>
             <a:endParaRPr lang="zh-TW" altLang="en-US"/>
           </a:p>
@@ -7133,7 +7132,7 @@
           <a:p>
             <a:r>
               <a:rPr lang="zh-TW" altLang="en-US" smtClean="0"/>
-              <a:t>國立高雄科技大學電子工程系</a:t>
+              <a:t>國立高雄科技大學建功校區電子工程系</a:t>
             </a:r>
             <a:endParaRPr lang="zh-TW" altLang="en-US"/>
           </a:p>
@@ -7317,7 +7316,7 @@
           <a:p>
             <a:r>
               <a:rPr lang="zh-TW" altLang="en-US" smtClean="0"/>
-              <a:t>國立高雄科技大學電子工程系</a:t>
+              <a:t>國立高雄科技大學建功校區電子工程系</a:t>
             </a:r>
             <a:endParaRPr lang="zh-TW" altLang="en-US"/>
           </a:p>
@@ -7536,7 +7535,7 @@
           <a:p>
             <a:r>
               <a:rPr lang="zh-TW" altLang="en-US" smtClean="0"/>
-              <a:t>國立高雄科技大學電子工程系</a:t>
+              <a:t>國立高雄科技大學建功校區電子工程系</a:t>
             </a:r>
             <a:endParaRPr lang="zh-TW" altLang="en-US"/>
           </a:p>
@@ -7763,7 +7762,7 @@
           <a:p>
             <a:r>
               <a:rPr lang="zh-TW" altLang="en-US" smtClean="0"/>
-              <a:t>國立高雄科技大學電子工程系</a:t>
+              <a:t>國立高雄科技大學建功校區電子工程系</a:t>
             </a:r>
             <a:endParaRPr lang="zh-TW" altLang="en-US"/>
           </a:p>
@@ -7952,7 +7951,7 @@
           <a:p>
             <a:r>
               <a:rPr lang="zh-TW" altLang="en-US" smtClean="0"/>
-              <a:t>國立高雄科技大學電子工程系</a:t>
+              <a:t>國立高雄科技大學建功校區電子工程系</a:t>
             </a:r>
             <a:endParaRPr lang="zh-TW" altLang="en-US"/>
           </a:p>
@@ -8385,7 +8384,7 @@
           <a:p>
             <a:r>
               <a:rPr lang="zh-TW" altLang="en-US" smtClean="0"/>
-              <a:t>國立高雄科技大學電子工程系</a:t>
+              <a:t>國立高雄科技大學建功校區電子工程系</a:t>
             </a:r>
             <a:endParaRPr lang="zh-TW" altLang="en-US"/>
           </a:p>
@@ -8551,7 +8550,7 @@
           <a:p>
             <a:r>
               <a:rPr lang="zh-TW" altLang="en-US" smtClean="0"/>
-              <a:t>國立高雄科技大學電子工程系</a:t>
+              <a:t>國立高雄科技大學建功校區電子工程系</a:t>
             </a:r>
             <a:endParaRPr lang="zh-TW" altLang="en-US"/>
           </a:p>
@@ -8680,7 +8679,7 @@
           <a:p>
             <a:r>
               <a:rPr lang="zh-TW" altLang="en-US" smtClean="0"/>
-              <a:t>國立高雄科技大學電子工程系</a:t>
+              <a:t>國立高雄科技大學建功校區電子工程系</a:t>
             </a:r>
             <a:endParaRPr lang="zh-TW" altLang="en-US"/>
           </a:p>
@@ -8987,7 +8986,7 @@
           <a:p>
             <a:r>
               <a:rPr lang="zh-TW" altLang="en-US" smtClean="0"/>
-              <a:t>國立高雄科技大學電子工程系</a:t>
+              <a:t>國立高雄科技大學建功校區電子工程系</a:t>
             </a:r>
             <a:endParaRPr lang="zh-TW" altLang="en-US"/>
           </a:p>
@@ -9207,7 +9206,7 @@
           <a:p>
             <a:r>
               <a:rPr lang="zh-TW" altLang="en-US" smtClean="0"/>
-              <a:t>國立高雄科技大學電子工程系</a:t>
+              <a:t>國立高雄科技大學建功校區電子工程系</a:t>
             </a:r>
             <a:endParaRPr lang="zh-TW" altLang="en-US"/>
           </a:p>
@@ -9355,7 +9354,7 @@
           <a:p>
             <a:r>
               <a:rPr lang="zh-TW" altLang="en-US" smtClean="0"/>
-              <a:t>國立高雄科技大學電子工程系</a:t>
+              <a:t>國立高雄科技大學建功校區電子工程系</a:t>
             </a:r>
             <a:endParaRPr lang="zh-TW" altLang="en-US"/>
           </a:p>
@@ -9837,7 +9836,7 @@
           <a:p>
             <a:r>
               <a:rPr lang="zh-TW" altLang="en-US" smtClean="0"/>
-              <a:t>國立高雄科技大學電子工程系</a:t>
+              <a:t>國立高雄科技大學建功校區電子工程系</a:t>
             </a:r>
             <a:endParaRPr lang="zh-TW" altLang="en-US"/>
           </a:p>
@@ -10265,7 +10264,7 @@
           <a:p>
             <a:r>
               <a:rPr lang="zh-TW" altLang="en-US" smtClean="0"/>
-              <a:t>國立高雄科技大學電子工程系</a:t>
+              <a:t>國立高雄科技大學建功校區電子工程系</a:t>
             </a:r>
             <a:endParaRPr lang="zh-TW" altLang="en-US"/>
           </a:p>
@@ -10981,7 +10980,7 @@
           <a:p>
             <a:r>
               <a:rPr lang="zh-TW" altLang="en-US" smtClean="0"/>
-              <a:t>國立高雄科技大學電子工程系</a:t>
+              <a:t>國立高雄科技大學建功校區電子工程系</a:t>
             </a:r>
             <a:endParaRPr lang="zh-TW" altLang="en-US"/>
           </a:p>
@@ -11325,7 +11324,7 @@
           <a:p>
             <a:r>
               <a:rPr lang="zh-TW" altLang="en-US" smtClean="0"/>
-              <a:t>國立高雄科技大學電子工程系</a:t>
+              <a:t>國立高雄科技大學建功校區電子工程系</a:t>
             </a:r>
             <a:endParaRPr lang="zh-TW" altLang="en-US"/>
           </a:p>
@@ -11473,7 +11472,7 @@
           <a:p>
             <a:r>
               <a:rPr lang="zh-TW" altLang="en-US" smtClean="0"/>
-              <a:t>國立高雄科技大學電子工程系</a:t>
+              <a:t>國立高雄科技大學建功校區電子工程系</a:t>
             </a:r>
             <a:endParaRPr lang="zh-TW" altLang="en-US"/>
           </a:p>
@@ -11687,7 +11686,7 @@
           <a:p>
             <a:r>
               <a:rPr lang="zh-TW" altLang="en-US" smtClean="0"/>
-              <a:t>國立高雄科技大學電子工程系</a:t>
+              <a:t>國立高雄科技大學建功校區電子工程系</a:t>
             </a:r>
             <a:endParaRPr lang="zh-TW" altLang="en-US"/>
           </a:p>
@@ -12015,7 +12014,7 @@
           <a:p>
             <a:r>
               <a:rPr lang="zh-TW" altLang="en-US" smtClean="0"/>
-              <a:t>國立高雄科技大學電子工程系</a:t>
+              <a:t>國立高雄科技大學建功校區電子工程系</a:t>
             </a:r>
             <a:endParaRPr lang="zh-TW" altLang="en-US"/>
           </a:p>
@@ -12162,7 +12161,7 @@
           <a:p>
             <a:r>
               <a:rPr lang="zh-TW" altLang="en-US" smtClean="0"/>
-              <a:t>國立高雄科技大學電子工程系</a:t>
+              <a:t>國立高雄科技大學建功校區電子工程系</a:t>
             </a:r>
             <a:endParaRPr lang="zh-TW" altLang="en-US"/>
           </a:p>
@@ -12290,7 +12289,7 @@
           <a:p>
             <a:r>
               <a:rPr lang="zh-TW" altLang="en-US" smtClean="0"/>
-              <a:t>國立高雄科技大學電子工程系</a:t>
+              <a:t>國立高雄科技大學建功校區電子工程系</a:t>
             </a:r>
             <a:endParaRPr lang="zh-TW" altLang="en-US"/>
           </a:p>
@@ -12578,7 +12577,7 @@
           <a:p>
             <a:r>
               <a:rPr lang="zh-TW" altLang="en-US" smtClean="0"/>
-              <a:t>國立高雄科技大學電子工程系</a:t>
+              <a:t>國立高雄科技大學建功校區電子工程系</a:t>
             </a:r>
             <a:endParaRPr lang="zh-TW" altLang="en-US"/>
           </a:p>
@@ -12815,7 +12814,7 @@
           <a:p>
             <a:r>
               <a:rPr lang="zh-TW" altLang="en-US" smtClean="0"/>
-              <a:t>國立高雄科技大學電子工程系</a:t>
+              <a:t>國立高雄科技大學建功校區電子工程系</a:t>
             </a:r>
             <a:endParaRPr lang="zh-TW" altLang="en-US"/>
           </a:p>
@@ -13354,7 +13353,7 @@
           <a:p>
             <a:r>
               <a:rPr lang="zh-TW" altLang="en-US" smtClean="0"/>
-              <a:t>國立高雄科技大學電子工程系</a:t>
+              <a:t>國立高雄科技大學建功校區電子工程系</a:t>
             </a:r>
             <a:endParaRPr lang="zh-TW" altLang="en-US"/>
           </a:p>
@@ -13547,7 +13546,7 @@
           <a:p>
             <a:r>
               <a:rPr lang="zh-TW" altLang="en-US" smtClean="0"/>
-              <a:t>國立高雄科技大學電子工程系</a:t>
+              <a:t>國立高雄科技大學建功校區電子工程系</a:t>
             </a:r>
             <a:endParaRPr lang="zh-TW" altLang="en-US"/>
           </a:p>
@@ -13781,7 +13780,7 @@
           <a:p>
             <a:r>
               <a:rPr lang="zh-TW" altLang="en-US" smtClean="0"/>
-              <a:t>國立高雄科技大學電子工程系</a:t>
+              <a:t>國立高雄科技大學建功校區電子工程系</a:t>
             </a:r>
             <a:endParaRPr lang="zh-TW" altLang="en-US"/>
           </a:p>
@@ -14504,7 +14503,7 @@
           <a:p>
             <a:r>
               <a:rPr lang="zh-TW" altLang="en-US" smtClean="0"/>
-              <a:t>國立高雄科技大學電子工程系</a:t>
+              <a:t>國立高雄科技大學建功校區電子工程系</a:t>
             </a:r>
             <a:endParaRPr lang="zh-TW" altLang="en-US"/>
           </a:p>
@@ -14678,7 +14677,7 @@
           <a:p>
             <a:r>
               <a:rPr lang="zh-TW" altLang="en-US" smtClean="0"/>
-              <a:t>國立高雄科技大學電子工程系</a:t>
+              <a:t>國立高雄科技大學建功校區電子工程系</a:t>
             </a:r>
             <a:endParaRPr lang="zh-TW" altLang="en-US"/>
           </a:p>
@@ -14856,7 +14855,7 @@
           <a:p>
             <a:r>
               <a:rPr lang="zh-TW" altLang="en-US" smtClean="0"/>
-              <a:t>國立高雄科技大學電子工程系</a:t>
+              <a:t>國立高雄科技大學建功校區電子工程系</a:t>
             </a:r>
             <a:endParaRPr lang="zh-TW" altLang="en-US"/>
           </a:p>
@@ -15079,7 +15078,7 @@
           <a:p>
             <a:r>
               <a:rPr lang="en-US" altLang="zh-TW" smtClean="0"/>
-              <a:t>March, 2020</a:t>
+              <a:t>Octobor, 2020</a:t>
             </a:r>
             <a:endParaRPr lang="zh-TW" altLang="en-US"/>
           </a:p>
@@ -15102,7 +15101,7 @@
           <a:p>
             <a:r>
               <a:rPr lang="zh-TW" altLang="en-US" smtClean="0"/>
-              <a:t>國立高雄科技大學電子工程系</a:t>
+              <a:t>國立高雄科技大學建功校區電子工程系</a:t>
             </a:r>
             <a:endParaRPr lang="zh-TW" altLang="en-US"/>
           </a:p>
@@ -15231,7 +15230,7 @@
           <a:p>
             <a:r>
               <a:rPr lang="en-US" altLang="zh-TW" smtClean="0"/>
-              <a:t>March, 2020</a:t>
+              <a:t>Octobor, 2020</a:t>
             </a:r>
             <a:endParaRPr lang="zh-TW" altLang="en-US"/>
           </a:p>
@@ -15254,7 +15253,7 @@
           <a:p>
             <a:r>
               <a:rPr lang="zh-TW" altLang="en-US" smtClean="0"/>
-              <a:t>國立高雄科技大學電子工程系</a:t>
+              <a:t>國立高雄科技大學建功校區電子工程系</a:t>
             </a:r>
             <a:endParaRPr lang="zh-TW" altLang="en-US"/>
           </a:p>
@@ -15445,7 +15444,7 @@
           <a:p>
             <a:r>
               <a:rPr lang="en-US" altLang="zh-TW" smtClean="0"/>
-              <a:t>March, 2020</a:t>
+              <a:t>Octobor, 2020</a:t>
             </a:r>
             <a:endParaRPr lang="zh-TW" altLang="en-US"/>
           </a:p>
@@ -15468,7 +15467,7 @@
           <a:p>
             <a:r>
               <a:rPr lang="zh-TW" altLang="en-US" smtClean="0"/>
-              <a:t>國立高雄科技大學電子工程系</a:t>
+              <a:t>國立高雄科技大學建功校區電子工程系</a:t>
             </a:r>
             <a:endParaRPr lang="zh-TW" altLang="en-US"/>
           </a:p>
@@ -15804,7 +15803,7 @@
           <a:p>
             <a:r>
               <a:rPr lang="en-US" altLang="zh-TW" smtClean="0"/>
-              <a:t>March, 2020</a:t>
+              <a:t>Octobor, 2020</a:t>
             </a:r>
             <a:endParaRPr lang="zh-TW" altLang="en-US"/>
           </a:p>
@@ -15827,7 +15826,7 @@
           <a:p>
             <a:r>
               <a:rPr lang="zh-TW" altLang="en-US" smtClean="0"/>
-              <a:t>國立高雄科技大學電子工程系</a:t>
+              <a:t>國立高雄科技大學建功校區電子工程系</a:t>
             </a:r>
             <a:endParaRPr lang="zh-TW" altLang="en-US"/>
           </a:p>
@@ -16371,7 +16370,7 @@
           <a:p>
             <a:r>
               <a:rPr lang="zh-TW" altLang="en-US" smtClean="0"/>
-              <a:t>國立高雄科技大學電子工程系</a:t>
+              <a:t>國立高雄科技大學建功校區電子工程系</a:t>
             </a:r>
             <a:endParaRPr lang="zh-TW" altLang="en-US"/>
           </a:p>
@@ -16574,7 +16573,7 @@
           <a:p>
             <a:r>
               <a:rPr lang="en-US" altLang="zh-TW" smtClean="0"/>
-              <a:t>March, 2020</a:t>
+              <a:t>Octobor, 2020</a:t>
             </a:r>
             <a:endParaRPr lang="zh-TW" altLang="en-US"/>
           </a:p>
@@ -16597,7 +16596,7 @@
           <a:p>
             <a:r>
               <a:rPr lang="zh-TW" altLang="en-US" smtClean="0"/>
-              <a:t>國立高雄科技大學電子工程系</a:t>
+              <a:t>國立高雄科技大學建功校區電子工程系</a:t>
             </a:r>
             <a:endParaRPr lang="zh-TW" altLang="en-US"/>
           </a:p>
@@ -16762,7 +16761,7 @@
           <a:p>
             <a:r>
               <a:rPr lang="en-US" altLang="zh-TW" smtClean="0"/>
-              <a:t>March, 2020</a:t>
+              <a:t>Octobor, 2020</a:t>
             </a:r>
             <a:endParaRPr lang="zh-TW" altLang="en-US"/>
           </a:p>
@@ -16785,7 +16784,7 @@
           <a:p>
             <a:r>
               <a:rPr lang="zh-TW" altLang="en-US" smtClean="0"/>
-              <a:t>國立高雄科技大學電子工程系</a:t>
+              <a:t>國立高雄科技大學建功校區電子工程系</a:t>
             </a:r>
             <a:endParaRPr lang="zh-TW" altLang="en-US"/>
           </a:p>
@@ -17038,7 +17037,7 @@
           <a:p>
             <a:r>
               <a:rPr lang="zh-TW" altLang="en-US" smtClean="0"/>
-              <a:t>國立高雄科技大學電子工程系</a:t>
+              <a:t>國立高雄科技大學建功校區電子工程系</a:t>
             </a:r>
             <a:endParaRPr lang="zh-TW" altLang="en-US"/>
           </a:p>
@@ -17811,7 +17810,7 @@
           <a:p>
             <a:r>
               <a:rPr lang="zh-TW" altLang="en-US" smtClean="0"/>
-              <a:t>國立高雄科技大學電子工程系</a:t>
+              <a:t>國立高雄科技大學建功校區電子工程系</a:t>
             </a:r>
             <a:endParaRPr lang="zh-TW" altLang="en-US"/>
           </a:p>
@@ -18079,7 +18078,7 @@
           <a:p>
             <a:r>
               <a:rPr lang="zh-TW" altLang="en-US" smtClean="0"/>
-              <a:t>國立高雄科技大學電子工程系</a:t>
+              <a:t>國立高雄科技大學建功校區電子工程系</a:t>
             </a:r>
             <a:endParaRPr lang="zh-TW" altLang="en-US"/>
           </a:p>
@@ -18361,7 +18360,7 @@
           <a:p>
             <a:r>
               <a:rPr lang="zh-TW" altLang="en-US" smtClean="0"/>
-              <a:t>國立高雄科技大學電子工程系</a:t>
+              <a:t>國立高雄科技大學建功校區電子工程系</a:t>
             </a:r>
             <a:endParaRPr lang="zh-TW" altLang="en-US"/>
           </a:p>
@@ -18711,7 +18710,7 @@
           <a:p>
             <a:r>
               <a:rPr lang="zh-TW" altLang="en-US" smtClean="0"/>
-              <a:t>國立高雄科技大學電子工程系</a:t>
+              <a:t>國立高雄科技大學建功校區電子工程系</a:t>
             </a:r>
             <a:endParaRPr lang="zh-TW" altLang="en-US"/>
           </a:p>

--- a/Slides/PPT/Lecture4.pptx
+++ b/Slides/PPT/Lecture4.pptx
@@ -254,7 +254,7 @@
           <a:p>
             <a:fld id="{66E70BB8-B9A9-4A49-AE77-6672D2FCC1F1}" type="datetimeFigureOut">
               <a:rPr lang="en-US" smtClean="0"/>
-              <a:t>11/24/2020</a:t>
+              <a:t>12/1/2020</a:t>
             </a:fld>
             <a:endParaRPr lang="en-US"/>
           </a:p>
@@ -419,7 +419,7 @@
           <a:p>
             <a:fld id="{FD9F7465-78BB-4967-A6A7-EC2C7EAFC45D}" type="datetimeFigureOut">
               <a:rPr lang="zh-TW" altLang="en-US" smtClean="0"/>
-              <a:t>2020/11/24</a:t>
+              <a:t>2020/12/1</a:t>
             </a:fld>
             <a:endParaRPr lang="zh-TW" altLang="en-US"/>
           </a:p>
@@ -5743,8 +5743,8 @@
           </a:p>
         </p:txBody>
       </p:sp>
-      <mc:AlternateContent xmlns:mc="http://schemas.openxmlformats.org/markup-compatibility/2006" xmlns:a14="http://schemas.microsoft.com/office/drawing/2010/main">
-        <mc:Choice Requires="a14">
+      <mc:AlternateContent xmlns:mc="http://schemas.openxmlformats.org/markup-compatibility/2006">
+        <mc:Choice xmlns:a14="http://schemas.microsoft.com/office/drawing/2010/main" Requires="a14">
           <p:sp>
             <p:nvSpPr>
               <p:cNvPr id="3" name="內容版面配置區 2"/>
@@ -5805,7 +5805,15 @@
                 <a:pPr lvl="1"/>
                 <a:r>
                   <a:rPr lang="zh-TW" altLang="en-US" dirty="0" smtClean="0"/>
-                  <a:t>當視窗大小增加權種大小也會增加</a:t>
+                  <a:t>當視窗大小增加</a:t>
+                </a:r>
+                <a:r>
+                  <a:rPr lang="zh-TW" altLang="en-US" dirty="0" smtClean="0"/>
+                  <a:t>權重大小</a:t>
+                </a:r>
+                <a:r>
+                  <a:rPr lang="zh-TW" altLang="en-US" dirty="0" smtClean="0"/>
+                  <a:t>也會增加</a:t>
                 </a:r>
                 <a:endParaRPr lang="en-US" altLang="zh-TW" dirty="0" smtClean="0"/>
               </a:p>
@@ -5988,7 +5996,7 @@
             </p:txBody>
           </p:sp>
         </mc:Choice>
-        <mc:Fallback xmlns="">
+        <mc:Fallback>
           <p:sp>
             <p:nvSpPr>
               <p:cNvPr id="3" name="內容版面配置區 2"/>
@@ -7586,7 +7594,7 @@
         </p:blipFill>
         <p:spPr>
           <a:xfrm>
-            <a:off x="1134181" y="3529858"/>
+            <a:off x="1114931" y="3619551"/>
             <a:ext cx="7198834" cy="2647105"/>
           </a:xfrm>
           <a:prstGeom prst="rect">
@@ -12342,7 +12350,7 @@
         </p:blipFill>
         <p:spPr>
           <a:xfrm>
-            <a:off x="3289099" y="1690688"/>
+            <a:off x="3289099" y="1608761"/>
             <a:ext cx="5613802" cy="4351338"/>
           </a:xfrm>
           <a:prstGeom prst="rect">
@@ -15229,10 +15237,14 @@
           <a:lstStyle/>
           <a:p>
             <a:r>
-              <a:rPr lang="en-US" altLang="zh-TW" smtClean="0"/>
-              <a:t>Octobor, 2020</a:t>
-            </a:r>
-            <a:endParaRPr lang="zh-TW" altLang="en-US"/>
+              <a:rPr lang="en-US" altLang="zh-TW" dirty="0" err="1" smtClean="0"/>
+              <a:t>Octobor</a:t>
+            </a:r>
+            <a:r>
+              <a:rPr lang="en-US" altLang="zh-TW" dirty="0" smtClean="0"/>
+              <a:t>, 2020</a:t>
+            </a:r>
+            <a:endParaRPr lang="zh-TW" altLang="en-US" dirty="0"/>
           </a:p>
         </p:txBody>
       </p:sp>
@@ -15304,7 +15316,7 @@
         </p:blipFill>
         <p:spPr>
           <a:xfrm>
-            <a:off x="2381509" y="3032975"/>
+            <a:off x="2477762" y="2760719"/>
             <a:ext cx="7720852" cy="3505937"/>
           </a:xfrm>
           <a:prstGeom prst="rect">
@@ -16985,6 +16997,19 @@
               <a:rPr lang="en-US" altLang="zh-TW" sz="2000" dirty="0" smtClean="0"/>
               <a:t>.</a:t>
             </a:r>
+          </a:p>
+          <a:p>
+            <a:r>
+              <a:rPr lang="en-US" altLang="zh-TW" sz="2000" dirty="0" err="1"/>
+              <a:t>Goodfellow</a:t>
+            </a:r>
+            <a:r>
+              <a:rPr lang="en-US" altLang="zh-TW" sz="2000" dirty="0"/>
+              <a:t> et al., Deep Learning Books, Online Version</a:t>
+            </a:r>
+          </a:p>
+          <a:p>
+            <a:endParaRPr lang="en-US" altLang="zh-TW" sz="2000" dirty="0" smtClean="0"/>
           </a:p>
           <a:p>
             <a:endParaRPr lang="en-US" sz="2000" dirty="0"/>
